--- a/PPT/Angular  - dag 2.pptx
+++ b/PPT/Angular  - dag 2.pptx
@@ -1764,7 +1764,7 @@
           <a:p>
             <a:fld id="{1F90DA85-70F2-0142-951D-2E211C5A7661}" type="datetime1">
               <a:rPr lang="en-US" smtClean="0"/>
-              <a:t>5/2/19</a:t>
+              <a:t>5/5/19</a:t>
             </a:fld>
             <a:endParaRPr lang="en-US"/>
           </a:p>
@@ -1969,7 +1969,7 @@
           <a:p>
             <a:fld id="{B1128CD3-B373-804F-B6BF-ADE9995A97A4}" type="datetime1">
               <a:rPr lang="en-US" smtClean="0"/>
-              <a:t>5/2/19</a:t>
+              <a:t>5/5/19</a:t>
             </a:fld>
             <a:endParaRPr lang="en-US"/>
           </a:p>
@@ -2213,7 +2213,7 @@
           <a:p>
             <a:fld id="{62EE2F02-EE9D-CB4A-A5D9-370D1B9CFD17}" type="datetime1">
               <a:rPr lang="en-US" smtClean="0"/>
-              <a:t>5/2/19</a:t>
+              <a:t>5/5/19</a:t>
             </a:fld>
             <a:endParaRPr lang="en-US"/>
           </a:p>
@@ -2391,7 +2391,7 @@
           <a:p>
             <a:fld id="{53F13F9D-E86D-2A45-AF79-74FF78F53523}" type="datetime1">
               <a:rPr lang="en-US" smtClean="0"/>
-              <a:t>5/2/19</a:t>
+              <a:t>5/5/19</a:t>
             </a:fld>
             <a:endParaRPr lang="en-US"/>
           </a:p>
@@ -2540,7 +2540,7 @@
           <a:p>
             <a:fld id="{30F054D1-EF77-2144-AA70-178590D299FB}" type="datetime1">
               <a:rPr lang="en-US" smtClean="0"/>
-              <a:t>5/2/19</a:t>
+              <a:t>5/5/19</a:t>
             </a:fld>
             <a:endParaRPr lang="en-US"/>
           </a:p>
@@ -2658,7 +2658,7 @@
           <a:p>
             <a:fld id="{9379F80A-5E69-4003-A4CA-EECDF3CD699D}" type="datetimeFigureOut">
               <a:rPr lang="nl-NL" smtClean="0"/>
-              <a:t>02-05-19</a:t>
+              <a:t>05-05-19</a:t>
             </a:fld>
             <a:endParaRPr lang="nl-NL"/>
           </a:p>
@@ -3522,7 +3522,7 @@
           <a:p>
             <a:fld id="{8D1DAFB0-3227-974A-AA97-D518DE224487}" type="datetime1">
               <a:rPr lang="en-US" smtClean="0"/>
-              <a:t>5/2/19</a:t>
+              <a:t>5/5/19</a:t>
             </a:fld>
             <a:endParaRPr lang="en-US"/>
           </a:p>
@@ -9354,18 +9354,18 @@
               </a:tabLst>
             </a:pPr>
             <a:r>
-              <a:rPr lang="en-US" sz="1700" spc="5" dirty="0">
-                <a:latin typeface="Verdana"/>
-                <a:cs typeface="Verdana"/>
-              </a:rPr>
-              <a:t>Pipe </a:t>
-            </a:r>
-            <a:r>
               <a:rPr lang="en-US" sz="1700" spc="5" dirty="0" err="1">
                 <a:latin typeface="Verdana"/>
                 <a:cs typeface="Verdana"/>
               </a:rPr>
               <a:t>async</a:t>
+            </a:r>
+            <a:r>
+              <a:rPr lang="en-US" sz="1700" spc="5">
+                <a:latin typeface="Verdana"/>
+                <a:cs typeface="Verdana"/>
+              </a:rPr>
+              <a:t>-pipe</a:t>
             </a:r>
             <a:endParaRPr lang="en-US" sz="1700" dirty="0">
               <a:latin typeface="Verdana"/>
